--- a/design reviews/Fall FRR.pptx
+++ b/design reviews/Fall FRR.pptx
@@ -124,9 +124,53 @@
 <file path=ppt/revisionInfo.xml><?xml version="1.0" encoding="utf-8"?>
 <p1510:revInfo xmlns:a="http://schemas.openxmlformats.org/drawingml/2006/main" xmlns:r="http://schemas.openxmlformats.org/officeDocument/2006/relationships" xmlns:p1510="http://schemas.microsoft.com/office/powerpoint/2015/10/main">
   <p1510:revLst>
-    <p1510:client id="{77D40E71-2A2A-6ABB-D151-9AD59C5FB513}" v="2087" dt="2025-11-03T15:33:49.499"/>
+    <p1510:client id="{18A61E31-CC4F-42C4-8B70-CE63905DA4AD}" v="2" dt="2025-11-04T15:37:10.047"/>
   </p1510:revLst>
 </p1510:revInfo>
+</file>
+
+<file path=ppt/changesInfos/changesInfo1.xml><?xml version="1.0" encoding="utf-8"?>
+<pc:chgInfo xmlns:a="http://schemas.openxmlformats.org/drawingml/2006/main" xmlns:r="http://schemas.openxmlformats.org/officeDocument/2006/relationships" xmlns:ac="http://schemas.microsoft.com/office/drawing/2013/main/command" xmlns:pc="http://schemas.microsoft.com/office/powerpoint/2013/main/command">
+  <pc:docChgLst>
+    <pc:chgData name="Arian Rasoli" userId="56bd07e470b850eb" providerId="LiveId" clId="{6AB7E044-F863-407C-A506-12ED88C2EC37}"/>
+    <pc:docChg chg="custSel modSld">
+      <pc:chgData name="Arian Rasoli" userId="56bd07e470b850eb" providerId="LiveId" clId="{6AB7E044-F863-407C-A506-12ED88C2EC37}" dt="2025-11-04T15:37:16.804" v="68" actId="20577"/>
+      <pc:docMkLst>
+        <pc:docMk/>
+      </pc:docMkLst>
+      <pc:sldChg chg="modSp mod">
+        <pc:chgData name="Arian Rasoli" userId="56bd07e470b850eb" providerId="LiveId" clId="{6AB7E044-F863-407C-A506-12ED88C2EC37}" dt="2025-11-04T15:36:30.246" v="31" actId="20577"/>
+        <pc:sldMkLst>
+          <pc:docMk/>
+          <pc:sldMk cId="1803186097" sldId="267"/>
+        </pc:sldMkLst>
+        <pc:spChg chg="mod">
+          <ac:chgData name="Arian Rasoli" userId="56bd07e470b850eb" providerId="LiveId" clId="{6AB7E044-F863-407C-A506-12ED88C2EC37}" dt="2025-11-04T15:36:30.246" v="31" actId="20577"/>
+          <ac:spMkLst>
+            <pc:docMk/>
+            <pc:sldMk cId="1803186097" sldId="267"/>
+            <ac:spMk id="8" creationId="{D8EF1BD1-7551-7362-B4F7-A3DEF05B8186}"/>
+          </ac:spMkLst>
+        </pc:spChg>
+      </pc:sldChg>
+      <pc:sldChg chg="modSp mod">
+        <pc:chgData name="Arian Rasoli" userId="56bd07e470b850eb" providerId="LiveId" clId="{6AB7E044-F863-407C-A506-12ED88C2EC37}" dt="2025-11-04T15:37:16.804" v="68" actId="20577"/>
+        <pc:sldMkLst>
+          <pc:docMk/>
+          <pc:sldMk cId="4034294175" sldId="275"/>
+        </pc:sldMkLst>
+        <pc:spChg chg="mod">
+          <ac:chgData name="Arian Rasoli" userId="56bd07e470b850eb" providerId="LiveId" clId="{6AB7E044-F863-407C-A506-12ED88C2EC37}" dt="2025-11-04T15:37:16.804" v="68" actId="20577"/>
+          <ac:spMkLst>
+            <pc:docMk/>
+            <pc:sldMk cId="4034294175" sldId="275"/>
+            <ac:spMk id="4" creationId="{EA7C826E-C613-0F21-83D2-5B8114BA9B0F}"/>
+          </ac:spMkLst>
+        </pc:spChg>
+      </pc:sldChg>
+    </pc:docChg>
+  </pc:docChgLst>
+</pc:chgInfo>
 </file>
 
 <file path=ppt/slideLayouts/slideLayout1.xml><?xml version="1.0" encoding="utf-8"?>
@@ -276,7 +320,7 @@
           <a:p>
             <a:fld id="{38AE1959-0345-455D-8338-7812121EE750}" type="datetimeFigureOut">
               <a:rPr lang="en-US" smtClean="0"/>
-              <a:t>11/3/2025</a:t>
+              <a:t>11/4/2025</a:t>
             </a:fld>
             <a:endParaRPr lang="en-US"/>
           </a:p>
@@ -474,7 +518,7 @@
           <a:p>
             <a:fld id="{38AE1959-0345-455D-8338-7812121EE750}" type="datetimeFigureOut">
               <a:rPr lang="en-US" smtClean="0"/>
-              <a:t>11/3/2025</a:t>
+              <a:t>11/4/2025</a:t>
             </a:fld>
             <a:endParaRPr lang="en-US"/>
           </a:p>
@@ -682,7 +726,7 @@
           <a:p>
             <a:fld id="{38AE1959-0345-455D-8338-7812121EE750}" type="datetimeFigureOut">
               <a:rPr lang="en-US" smtClean="0"/>
-              <a:t>11/3/2025</a:t>
+              <a:t>11/4/2025</a:t>
             </a:fld>
             <a:endParaRPr lang="en-US"/>
           </a:p>
@@ -880,7 +924,7 @@
           <a:p>
             <a:fld id="{38AE1959-0345-455D-8338-7812121EE750}" type="datetimeFigureOut">
               <a:rPr lang="en-US" smtClean="0"/>
-              <a:t>11/3/2025</a:t>
+              <a:t>11/4/2025</a:t>
             </a:fld>
             <a:endParaRPr lang="en-US"/>
           </a:p>
@@ -1155,7 +1199,7 @@
           <a:p>
             <a:fld id="{38AE1959-0345-455D-8338-7812121EE750}" type="datetimeFigureOut">
               <a:rPr lang="en-US" smtClean="0"/>
-              <a:t>11/3/2025</a:t>
+              <a:t>11/4/2025</a:t>
             </a:fld>
             <a:endParaRPr lang="en-US"/>
           </a:p>
@@ -1420,7 +1464,7 @@
           <a:p>
             <a:fld id="{38AE1959-0345-455D-8338-7812121EE750}" type="datetimeFigureOut">
               <a:rPr lang="en-US" smtClean="0"/>
-              <a:t>11/3/2025</a:t>
+              <a:t>11/4/2025</a:t>
             </a:fld>
             <a:endParaRPr lang="en-US"/>
           </a:p>
@@ -1832,7 +1876,7 @@
           <a:p>
             <a:fld id="{38AE1959-0345-455D-8338-7812121EE750}" type="datetimeFigureOut">
               <a:rPr lang="en-US" smtClean="0"/>
-              <a:t>11/3/2025</a:t>
+              <a:t>11/4/2025</a:t>
             </a:fld>
             <a:endParaRPr lang="en-US"/>
           </a:p>
@@ -1973,7 +2017,7 @@
           <a:p>
             <a:fld id="{38AE1959-0345-455D-8338-7812121EE750}" type="datetimeFigureOut">
               <a:rPr lang="en-US" smtClean="0"/>
-              <a:t>11/3/2025</a:t>
+              <a:t>11/4/2025</a:t>
             </a:fld>
             <a:endParaRPr lang="en-US"/>
           </a:p>
@@ -2086,7 +2130,7 @@
           <a:p>
             <a:fld id="{38AE1959-0345-455D-8338-7812121EE750}" type="datetimeFigureOut">
               <a:rPr lang="en-US" smtClean="0"/>
-              <a:t>11/3/2025</a:t>
+              <a:t>11/4/2025</a:t>
             </a:fld>
             <a:endParaRPr lang="en-US"/>
           </a:p>
@@ -2397,7 +2441,7 @@
           <a:p>
             <a:fld id="{38AE1959-0345-455D-8338-7812121EE750}" type="datetimeFigureOut">
               <a:rPr lang="en-US" smtClean="0"/>
-              <a:t>11/3/2025</a:t>
+              <a:t>11/4/2025</a:t>
             </a:fld>
             <a:endParaRPr lang="en-US"/>
           </a:p>
@@ -2685,7 +2729,7 @@
           <a:p>
             <a:fld id="{38AE1959-0345-455D-8338-7812121EE750}" type="datetimeFigureOut">
               <a:rPr lang="en-US" smtClean="0"/>
-              <a:t>11/3/2025</a:t>
+              <a:t>11/4/2025</a:t>
             </a:fld>
             <a:endParaRPr lang="en-US"/>
           </a:p>
@@ -2933,7 +2977,7 @@
           <a:p>
             <a:fld id="{38AE1959-0345-455D-8338-7812121EE750}" type="datetimeFigureOut">
               <a:rPr lang="en-US" smtClean="0"/>
-              <a:t>11/3/2025</a:t>
+              <a:t>11/4/2025</a:t>
             </a:fld>
             <a:endParaRPr lang="en-US"/>
           </a:p>
@@ -4150,7 +4194,35 @@
                   <a:schemeClr val="bg1"/>
                 </a:solidFill>
               </a:rPr>
-              <a:t>The cold test was performed on,  10/31/2025, and stayed on during the duration of the test. The developed payload withstood temperatures of up to –10 C, however, this isn't the ideal temperature as the flight conditions can drop down to –60 C during the November 8th flight. I intend to do a colt test again on 11/7/2025 (the day before flight) to ensure that the payload can withstand those extreme temperatures.</a:t>
+              <a:t>-    The cold test was performed on,  10/31/2025, and stayed on during the duration of the test. </a:t>
+            </a:r>
+          </a:p>
+          <a:p>
+            <a:pPr marL="285750" indent="-285750">
+              <a:buFontTx/>
+              <a:buChar char="-"/>
+            </a:pPr>
+            <a:r>
+              <a:rPr lang="en-US" dirty="0">
+                <a:solidFill>
+                  <a:schemeClr val="bg1"/>
+                </a:solidFill>
+              </a:rPr>
+              <a:t>The developed payload withstood temperatures of up to –10 C, however, this isn't the ideal temperature as the flight conditions can drop down to –60 C during the November 8th flight. </a:t>
+            </a:r>
+          </a:p>
+          <a:p>
+            <a:pPr marL="285750" indent="-285750">
+              <a:buFontTx/>
+              <a:buChar char="-"/>
+            </a:pPr>
+            <a:r>
+              <a:rPr lang="en-US" dirty="0">
+                <a:solidFill>
+                  <a:schemeClr val="bg1"/>
+                </a:solidFill>
+              </a:rPr>
+              <a:t>I intend to do a cold test again on 11/7/2025.</a:t>
             </a:r>
           </a:p>
         </p:txBody>
@@ -4266,7 +4338,7 @@
         <p:spPr>
           <a:xfrm>
             <a:off x="328662" y="1528377"/>
-            <a:ext cx="5438853" cy="1754326"/>
+            <a:ext cx="5438853" cy="2585323"/>
           </a:xfrm>
           <a:prstGeom prst="rect">
             <a:avLst/>
@@ -4290,9 +4362,45 @@
                 <a:ea typeface="+mn-lt"/>
                 <a:cs typeface="+mn-lt"/>
               </a:rPr>
-              <a:t>The bench test was performed on 10/31/2025 and successfully demonstrated that all systems were functioning as intended. This also ensures that the components inside the payload are properly secured, minimizing the impact of environmental factors, such as turbulence, in the event of a loose connection.</a:t>
-            </a:r>
-            <a:endParaRPr lang="en-US" dirty="0"/>
+              <a:t>- The bench test was performed on 10/31/2025 and successfully demonstrated that all systems were functioning as intended. </a:t>
+            </a:r>
+          </a:p>
+          <a:p>
+            <a:r>
+              <a:rPr lang="en-US" dirty="0">
+                <a:solidFill>
+                  <a:schemeClr val="bg1"/>
+                </a:solidFill>
+                <a:ea typeface="+mn-lt"/>
+                <a:cs typeface="+mn-lt"/>
+              </a:rPr>
+              <a:t>-  This also ensures that the components inside the payload are properly secured </a:t>
+            </a:r>
+          </a:p>
+          <a:p>
+            <a:pPr marL="742950" lvl="1" indent="-285750">
+              <a:buFontTx/>
+              <a:buChar char="-"/>
+            </a:pPr>
+            <a:r>
+              <a:rPr lang="en-US" dirty="0">
+                <a:solidFill>
+                  <a:schemeClr val="bg1"/>
+                </a:solidFill>
+                <a:ea typeface="+mn-lt"/>
+                <a:cs typeface="+mn-lt"/>
+              </a:rPr>
+              <a:t>Minimizing the impact of environmental factors, such as turbulence, in the event of a loose connection.</a:t>
+            </a:r>
+          </a:p>
+          <a:p>
+            <a:endParaRPr lang="en-US" dirty="0">
+              <a:solidFill>
+                <a:schemeClr val="bg1"/>
+              </a:solidFill>
+              <a:ea typeface="+mn-lt"/>
+              <a:cs typeface="+mn-lt"/>
+            </a:endParaRPr>
           </a:p>
         </p:txBody>
       </p:sp>
@@ -8853,6 +8961,17 @@
 </file>
 
 <file path=customXml/item1.xml><?xml version="1.0" encoding="utf-8"?>
+<p:properties xmlns:p="http://schemas.microsoft.com/office/2006/metadata/properties" xmlns:xsi="http://www.w3.org/2001/XMLSchema-instance" xmlns:pc="http://schemas.microsoft.com/office/infopath/2007/PartnerControls">
+  <documentManagement>
+    <lcf76f155ced4ddcb4097134ff3c332f xmlns="37fffbac-3411-4757-823a-b3c675efd3eb">
+      <Terms xmlns="http://schemas.microsoft.com/office/infopath/2007/PartnerControls"/>
+    </lcf76f155ced4ddcb4097134ff3c332f>
+    <TaxCatchAll xmlns="c8fbb5d0-7590-4e0b-91c7-9c7049c22468" xsi:nil="true"/>
+  </documentManagement>
+</p:properties>
+</file>
+
+<file path=customXml/item2.xml><?xml version="1.0" encoding="utf-8"?>
 <ct:contentTypeSchema xmlns:ct="http://schemas.microsoft.com/office/2006/metadata/contentType" xmlns:ma="http://schemas.microsoft.com/office/2006/metadata/properties/metaAttributes" ct:_="" ma:_="" ma:contentTypeName="Document" ma:contentTypeID="0x01010010B7FBE526CC7E4A80940ED2E9C3E68F" ma:contentTypeVersion="22" ma:contentTypeDescription="Create a new document." ma:contentTypeScope="" ma:versionID="9d5b78fa260e03056e6bbb0c938f5778">
   <xsd:schema xmlns:xsd="http://www.w3.org/2001/XMLSchema" xmlns:xs="http://www.w3.org/2001/XMLSchema" xmlns:p="http://schemas.microsoft.com/office/2006/metadata/properties" xmlns:ns2="c8fbb5d0-7590-4e0b-91c7-9c7049c22468" xmlns:ns3="37fffbac-3411-4757-823a-b3c675efd3eb" targetNamespace="http://schemas.microsoft.com/office/2006/metadata/properties" ma:root="true" ma:fieldsID="6fef7513aa21e24b570d049e978ab42e" ns2:_="" ns3:_="">
     <xsd:import namespace="c8fbb5d0-7590-4e0b-91c7-9c7049c22468"/>
@@ -9113,17 +9232,6 @@
 </ct:contentTypeSchema>
 </file>
 
-<file path=customXml/item2.xml><?xml version="1.0" encoding="utf-8"?>
-<p:properties xmlns:p="http://schemas.microsoft.com/office/2006/metadata/properties" xmlns:xsi="http://www.w3.org/2001/XMLSchema-instance" xmlns:pc="http://schemas.microsoft.com/office/infopath/2007/PartnerControls">
-  <documentManagement>
-    <lcf76f155ced4ddcb4097134ff3c332f xmlns="37fffbac-3411-4757-823a-b3c675efd3eb">
-      <Terms xmlns="http://schemas.microsoft.com/office/infopath/2007/PartnerControls"/>
-    </lcf76f155ced4ddcb4097134ff3c332f>
-    <TaxCatchAll xmlns="c8fbb5d0-7590-4e0b-91c7-9c7049c22468" xsi:nil="true"/>
-  </documentManagement>
-</p:properties>
-</file>
-
 <file path=customXml/item3.xml><?xml version="1.0" encoding="utf-8"?>
 <?mso-contentType ?>
 <FormTemplates xmlns="http://schemas.microsoft.com/sharepoint/v3/contenttype/forms">
@@ -9134,6 +9242,24 @@
 </file>
 
 <file path=customXml/itemProps1.xml><?xml version="1.0" encoding="utf-8"?>
+<ds:datastoreItem xmlns:ds="http://schemas.openxmlformats.org/officeDocument/2006/customXml" ds:itemID="{82A5734F-E3C9-4BED-9D49-C95556D317D1}">
+  <ds:schemaRefs>
+    <ds:schemaRef ds:uri="c406f6ab-c41c-471b-9c6d-1fb28ca55b9d"/>
+    <ds:schemaRef ds:uri="http://purl.org/dc/dcmitype/"/>
+    <ds:schemaRef ds:uri="http://purl.org/dc/elements/1.1/"/>
+    <ds:schemaRef ds:uri="http://purl.org/dc/terms/"/>
+    <ds:schemaRef ds:uri="http://schemas.microsoft.com/office/2006/documentManagement/types"/>
+    <ds:schemaRef ds:uri="http://schemas.microsoft.com/office/2006/metadata/properties"/>
+    <ds:schemaRef ds:uri="http://schemas.microsoft.com/office/infopath/2007/PartnerControls"/>
+    <ds:schemaRef ds:uri="http://schemas.openxmlformats.org/package/2006/metadata/core-properties"/>
+    <ds:schemaRef ds:uri="http://www.w3.org/XML/1998/namespace"/>
+    <ds:schemaRef ds:uri="37fffbac-3411-4757-823a-b3c675efd3eb"/>
+    <ds:schemaRef ds:uri="c8fbb5d0-7590-4e0b-91c7-9c7049c22468"/>
+  </ds:schemaRefs>
+</ds:datastoreItem>
+</file>
+
+<file path=customXml/itemProps2.xml><?xml version="1.0" encoding="utf-8"?>
 <ds:datastoreItem xmlns:ds="http://schemas.openxmlformats.org/officeDocument/2006/customXml" ds:itemID="{3DEADCCE-B5E7-4618-91A4-B9D9583C6601}">
   <ds:schemaRefs>
     <ds:schemaRef ds:uri="http://schemas.microsoft.com/office/2006/metadata/contentType"/>
@@ -9152,24 +9278,6 @@
 </ds:datastoreItem>
 </file>
 
-<file path=customXml/itemProps2.xml><?xml version="1.0" encoding="utf-8"?>
-<ds:datastoreItem xmlns:ds="http://schemas.openxmlformats.org/officeDocument/2006/customXml" ds:itemID="{82A5734F-E3C9-4BED-9D49-C95556D317D1}">
-  <ds:schemaRefs>
-    <ds:schemaRef ds:uri="c406f6ab-c41c-471b-9c6d-1fb28ca55b9d"/>
-    <ds:schemaRef ds:uri="http://purl.org/dc/dcmitype/"/>
-    <ds:schemaRef ds:uri="http://purl.org/dc/elements/1.1/"/>
-    <ds:schemaRef ds:uri="http://purl.org/dc/terms/"/>
-    <ds:schemaRef ds:uri="http://schemas.microsoft.com/office/2006/documentManagement/types"/>
-    <ds:schemaRef ds:uri="http://schemas.microsoft.com/office/2006/metadata/properties"/>
-    <ds:schemaRef ds:uri="http://schemas.microsoft.com/office/infopath/2007/PartnerControls"/>
-    <ds:schemaRef ds:uri="http://schemas.openxmlformats.org/package/2006/metadata/core-properties"/>
-    <ds:schemaRef ds:uri="http://www.w3.org/XML/1998/namespace"/>
-    <ds:schemaRef ds:uri="37fffbac-3411-4757-823a-b3c675efd3eb"/>
-    <ds:schemaRef ds:uri="c8fbb5d0-7590-4e0b-91c7-9c7049c22468"/>
-  </ds:schemaRefs>
-</ds:datastoreItem>
-</file>
-
 <file path=customXml/itemProps3.xml><?xml version="1.0" encoding="utf-8"?>
 <ds:datastoreItem xmlns:ds="http://schemas.openxmlformats.org/officeDocument/2006/customXml" ds:itemID="{4C9369C2-DCF3-4D8E-91F0-2FE4B419617E}">
   <ds:schemaRefs>
